--- a/303-연산자와 제어문/303-4.반복문.pptx
+++ b/303-연산자와 제어문/303-4.반복문.pptx
@@ -255,7 +255,7 @@
           <a:p>
             <a:fld id="{B2F68E53-B01F-4399-9168-96EEFC03395C}" type="datetimeFigureOut">
               <a:rPr lang="ko-KR" altLang="en-US" smtClean="0"/>
-              <a:t>2023-05-20</a:t>
+              <a:t>2023-05-25</a:t>
             </a:fld>
             <a:endParaRPr lang="ko-KR" altLang="en-US"/>
           </a:p>
@@ -669,7 +669,7 @@
           <a:p>
             <a:fld id="{A628FBBE-DF04-4EA3-841C-8549B153DEEB}" type="datetimeFigureOut">
               <a:rPr lang="ko-KR" altLang="en-US" smtClean="0"/>
-              <a:t>2023-05-20</a:t>
+              <a:t>2023-05-25</a:t>
             </a:fld>
             <a:endParaRPr lang="ko-KR" altLang="en-US"/>
           </a:p>
@@ -867,7 +867,7 @@
           <a:p>
             <a:fld id="{A628FBBE-DF04-4EA3-841C-8549B153DEEB}" type="datetimeFigureOut">
               <a:rPr lang="ko-KR" altLang="en-US" smtClean="0"/>
-              <a:t>2023-05-20</a:t>
+              <a:t>2023-05-25</a:t>
             </a:fld>
             <a:endParaRPr lang="ko-KR" altLang="en-US"/>
           </a:p>
@@ -1075,7 +1075,7 @@
           <a:p>
             <a:fld id="{A628FBBE-DF04-4EA3-841C-8549B153DEEB}" type="datetimeFigureOut">
               <a:rPr lang="ko-KR" altLang="en-US" smtClean="0"/>
-              <a:t>2023-05-20</a:t>
+              <a:t>2023-05-25</a:t>
             </a:fld>
             <a:endParaRPr lang="ko-KR" altLang="en-US"/>
           </a:p>
@@ -1273,7 +1273,7 @@
           <a:p>
             <a:fld id="{A628FBBE-DF04-4EA3-841C-8549B153DEEB}" type="datetimeFigureOut">
               <a:rPr lang="ko-KR" altLang="en-US" smtClean="0"/>
-              <a:t>2023-05-20</a:t>
+              <a:t>2023-05-25</a:t>
             </a:fld>
             <a:endParaRPr lang="ko-KR" altLang="en-US"/>
           </a:p>
@@ -1548,7 +1548,7 @@
           <a:p>
             <a:fld id="{A628FBBE-DF04-4EA3-841C-8549B153DEEB}" type="datetimeFigureOut">
               <a:rPr lang="ko-KR" altLang="en-US" smtClean="0"/>
-              <a:t>2023-05-20</a:t>
+              <a:t>2023-05-25</a:t>
             </a:fld>
             <a:endParaRPr lang="ko-KR" altLang="en-US"/>
           </a:p>
@@ -1813,7 +1813,7 @@
           <a:p>
             <a:fld id="{A628FBBE-DF04-4EA3-841C-8549B153DEEB}" type="datetimeFigureOut">
               <a:rPr lang="ko-KR" altLang="en-US" smtClean="0"/>
-              <a:t>2023-05-20</a:t>
+              <a:t>2023-05-25</a:t>
             </a:fld>
             <a:endParaRPr lang="ko-KR" altLang="en-US"/>
           </a:p>
@@ -2225,7 +2225,7 @@
           <a:p>
             <a:fld id="{A628FBBE-DF04-4EA3-841C-8549B153DEEB}" type="datetimeFigureOut">
               <a:rPr lang="ko-KR" altLang="en-US" smtClean="0"/>
-              <a:t>2023-05-20</a:t>
+              <a:t>2023-05-25</a:t>
             </a:fld>
             <a:endParaRPr lang="ko-KR" altLang="en-US"/>
           </a:p>
@@ -2366,7 +2366,7 @@
           <a:p>
             <a:fld id="{A628FBBE-DF04-4EA3-841C-8549B153DEEB}" type="datetimeFigureOut">
               <a:rPr lang="ko-KR" altLang="en-US" smtClean="0"/>
-              <a:t>2023-05-20</a:t>
+              <a:t>2023-05-25</a:t>
             </a:fld>
             <a:endParaRPr lang="ko-KR" altLang="en-US"/>
           </a:p>
@@ -2479,7 +2479,7 @@
           <a:p>
             <a:fld id="{A628FBBE-DF04-4EA3-841C-8549B153DEEB}" type="datetimeFigureOut">
               <a:rPr lang="ko-KR" altLang="en-US" smtClean="0"/>
-              <a:t>2023-05-20</a:t>
+              <a:t>2023-05-25</a:t>
             </a:fld>
             <a:endParaRPr lang="ko-KR" altLang="en-US"/>
           </a:p>
@@ -2790,7 +2790,7 @@
           <a:p>
             <a:fld id="{A628FBBE-DF04-4EA3-841C-8549B153DEEB}" type="datetimeFigureOut">
               <a:rPr lang="ko-KR" altLang="en-US" smtClean="0"/>
-              <a:t>2023-05-20</a:t>
+              <a:t>2023-05-25</a:t>
             </a:fld>
             <a:endParaRPr lang="ko-KR" altLang="en-US"/>
           </a:p>
@@ -3078,7 +3078,7 @@
           <a:p>
             <a:fld id="{A628FBBE-DF04-4EA3-841C-8549B153DEEB}" type="datetimeFigureOut">
               <a:rPr lang="ko-KR" altLang="en-US" smtClean="0"/>
-              <a:t>2023-05-20</a:t>
+              <a:t>2023-05-25</a:t>
             </a:fld>
             <a:endParaRPr lang="ko-KR" altLang="en-US"/>
           </a:p>
@@ -3319,7 +3319,7 @@
           <a:p>
             <a:fld id="{A628FBBE-DF04-4EA3-841C-8549B153DEEB}" type="datetimeFigureOut">
               <a:rPr lang="ko-KR" altLang="en-US" smtClean="0"/>
-              <a:t>2023-05-20</a:t>
+              <a:t>2023-05-25</a:t>
             </a:fld>
             <a:endParaRPr lang="ko-KR" altLang="en-US"/>
           </a:p>
@@ -8500,8 +8500,8 @@
         </p:nvSpPr>
         <p:spPr>
           <a:xfrm>
-            <a:off x="455474" y="1026972"/>
-            <a:ext cx="11281052" cy="4999638"/>
+            <a:off x="604301" y="1026972"/>
+            <a:ext cx="11281052" cy="3060614"/>
           </a:xfrm>
           <a:prstGeom prst="rect">
             <a:avLst/>
@@ -8677,7 +8677,7 @@
           </a:lstStyle>
           <a:p>
             <a:r>
-              <a:rPr lang="en-US" altLang="ko-KR">
+              <a:rPr lang="en-US" altLang="ko-KR" dirty="0">
                 <a:solidFill>
                   <a:srgbClr val="000000"/>
                 </a:solidFill>
@@ -8686,7 +8686,7 @@
               <a:t>for in </a:t>
             </a:r>
             <a:r>
-              <a:rPr lang="ko-KR" altLang="en-US">
+              <a:rPr lang="ko-KR" altLang="en-US" dirty="0" err="1">
                 <a:solidFill>
                   <a:srgbClr val="000000"/>
                 </a:solidFill>
@@ -8694,7 +8694,7 @@
               </a:rPr>
               <a:t>반복문</a:t>
             </a:r>
-            <a:endParaRPr lang="en-US" altLang="ko-KR">
+            <a:endParaRPr lang="en-US" altLang="ko-KR" dirty="0">
               <a:solidFill>
                 <a:srgbClr val="000000"/>
               </a:solidFill>
@@ -8704,94 +8704,13 @@
           <a:p>
             <a:pPr lvl="1"/>
             <a:r>
-              <a:rPr lang="ko-KR" altLang="en-US" sz="1600">
+              <a:rPr lang="ko-KR" altLang="en-US" sz="1600" dirty="0">
                 <a:solidFill>
                   <a:srgbClr val="000000"/>
                 </a:solidFill>
                 <a:latin typeface="+mn-ea"/>
               </a:rPr>
               <a:t>배열 요소를 하나하나 꺼내서 특정 문장을 실행할 때 사용</a:t>
-            </a:r>
-            <a:endParaRPr lang="en-US" altLang="ko-KR" sz="1600">
-              <a:solidFill>
-                <a:srgbClr val="000000"/>
-              </a:solidFill>
-              <a:latin typeface="+mn-ea"/>
-            </a:endParaRPr>
-          </a:p>
-          <a:p>
-            <a:pPr lvl="1"/>
-            <a:endParaRPr lang="en-US" altLang="ko-KR" sz="1600">
-              <a:solidFill>
-                <a:srgbClr val="000000"/>
-              </a:solidFill>
-              <a:latin typeface="+mn-ea"/>
-            </a:endParaRPr>
-          </a:p>
-          <a:p>
-            <a:pPr lvl="1"/>
-            <a:endParaRPr lang="en-US" altLang="ko-KR" sz="1600">
-              <a:solidFill>
-                <a:srgbClr val="000000"/>
-              </a:solidFill>
-              <a:latin typeface="+mn-ea"/>
-            </a:endParaRPr>
-          </a:p>
-          <a:p>
-            <a:pPr lvl="1"/>
-            <a:endParaRPr lang="en-US" altLang="ko-KR" sz="1600">
-              <a:solidFill>
-                <a:srgbClr val="000000"/>
-              </a:solidFill>
-              <a:latin typeface="+mn-ea"/>
-            </a:endParaRPr>
-          </a:p>
-          <a:p>
-            <a:pPr lvl="1"/>
-            <a:r>
-              <a:rPr lang="en-US" altLang="ko-KR" sz="1600">
-                <a:solidFill>
-                  <a:srgbClr val="000000"/>
-                </a:solidFill>
-                <a:latin typeface="+mn-ea"/>
-              </a:rPr>
-              <a:t>for in </a:t>
-            </a:r>
-            <a:r>
-              <a:rPr lang="ko-KR" altLang="en-US" sz="1600">
-                <a:solidFill>
-                  <a:srgbClr val="000000"/>
-                </a:solidFill>
-                <a:latin typeface="+mn-ea"/>
-              </a:rPr>
-              <a:t>반복문 </a:t>
-            </a:r>
-            <a:r>
-              <a:rPr lang="en-US" altLang="ko-KR" sz="1600">
-                <a:solidFill>
-                  <a:srgbClr val="000000"/>
-                </a:solidFill>
-                <a:latin typeface="+mn-ea"/>
-              </a:rPr>
-              <a:t>(</a:t>
-            </a:r>
-            <a:r>
-              <a:rPr lang="ko-KR" altLang="en-US" sz="1600">
-                <a:solidFill>
-                  <a:srgbClr val="000000"/>
-                </a:solidFill>
-                <a:latin typeface="+mn-ea"/>
-              </a:rPr>
-              <a:t>소스 코드 </a:t>
-            </a:r>
-            <a:r>
-              <a:rPr lang="en-US" altLang="ko-KR" sz="1600">
-                <a:solidFill>
-                  <a:srgbClr val="000000"/>
-                </a:solidFill>
-                <a:latin typeface="+mn-ea"/>
-              </a:rPr>
-              <a:t>4-2-1.html)</a:t>
             </a:r>
             <a:endParaRPr lang="en-US" altLang="ko-KR" sz="1600" dirty="0">
               <a:solidFill>
@@ -8799,6 +8718,99 @@
               </a:solidFill>
               <a:latin typeface="+mn-ea"/>
             </a:endParaRPr>
+          </a:p>
+          <a:p>
+            <a:pPr lvl="1"/>
+            <a:endParaRPr lang="en-US" altLang="ko-KR" sz="1600" dirty="0">
+              <a:solidFill>
+                <a:srgbClr val="000000"/>
+              </a:solidFill>
+              <a:latin typeface="+mn-ea"/>
+            </a:endParaRPr>
+          </a:p>
+          <a:p>
+            <a:pPr lvl="1"/>
+            <a:endParaRPr lang="en-US" altLang="ko-KR" sz="1600" dirty="0">
+              <a:solidFill>
+                <a:srgbClr val="000000"/>
+              </a:solidFill>
+              <a:latin typeface="+mn-ea"/>
+            </a:endParaRPr>
+          </a:p>
+          <a:p>
+            <a:pPr lvl="1"/>
+            <a:endParaRPr lang="en-US" altLang="ko-KR" sz="1600" dirty="0">
+              <a:solidFill>
+                <a:srgbClr val="000000"/>
+              </a:solidFill>
+              <a:latin typeface="+mn-ea"/>
+            </a:endParaRPr>
+          </a:p>
+          <a:p>
+            <a:pPr lvl="1"/>
+            <a:endParaRPr lang="en-US" altLang="ko-KR" sz="1600" dirty="0">
+              <a:solidFill>
+                <a:srgbClr val="000000"/>
+              </a:solidFill>
+              <a:latin typeface="+mn-ea"/>
+            </a:endParaRPr>
+          </a:p>
+          <a:p>
+            <a:pPr lvl="1"/>
+            <a:r>
+              <a:rPr lang="en-US" altLang="ko-KR" sz="1600" dirty="0">
+                <a:solidFill>
+                  <a:srgbClr val="000000"/>
+                </a:solidFill>
+                <a:latin typeface="+mn-ea"/>
+              </a:rPr>
+              <a:t>for in </a:t>
+            </a:r>
+            <a:r>
+              <a:rPr lang="ko-KR" altLang="en-US" sz="1600" dirty="0" err="1">
+                <a:solidFill>
+                  <a:srgbClr val="000000"/>
+                </a:solidFill>
+                <a:latin typeface="+mn-ea"/>
+              </a:rPr>
+              <a:t>반복문</a:t>
+            </a:r>
+            <a:r>
+              <a:rPr lang="ko-KR" altLang="en-US" sz="1600" dirty="0">
+                <a:solidFill>
+                  <a:srgbClr val="000000"/>
+                </a:solidFill>
+                <a:latin typeface="+mn-ea"/>
+              </a:rPr>
+              <a:t> </a:t>
+            </a:r>
+            <a:r>
+              <a:rPr lang="en-US" altLang="ko-KR" sz="1600" dirty="0">
+                <a:solidFill>
+                  <a:srgbClr val="000000"/>
+                </a:solidFill>
+                <a:latin typeface="+mn-ea"/>
+              </a:rPr>
+              <a:t>(</a:t>
+            </a:r>
+            <a:r>
+              <a:rPr lang="ko-KR" altLang="en-US" sz="1600" dirty="0">
+                <a:solidFill>
+                  <a:srgbClr val="000000"/>
+                </a:solidFill>
+                <a:latin typeface="+mn-ea"/>
+              </a:rPr>
+              <a:t>소스 코드 </a:t>
+            </a:r>
+            <a:r>
+              <a:rPr lang="en-US" altLang="ko-KR" sz="1600" dirty="0">
+                <a:solidFill>
+                  <a:srgbClr val="000000"/>
+                </a:solidFill>
+                <a:latin typeface="+mn-ea"/>
+              </a:rPr>
+              <a:t>4-2-1.html)</a:t>
+            </a:r>
           </a:p>
         </p:txBody>
       </p:sp>
